--- a/VNM handbrake manual.pptx
+++ b/VNM handbrake manual.pptx
@@ -215,7 +215,7 @@
           <a:p>
             <a:fld id="{F5BA789D-39B9-46E0-840D-9EA089D923F9}" type="datetimeFigureOut">
               <a:rPr lang="en-US" smtClean="0"/>
-              <a:t>11/17/2022</a:t>
+              <a:t>12/7/2022</a:t>
             </a:fld>
             <a:endParaRPr lang="en-US"/>
           </a:p>
@@ -380,7 +380,7 @@
           <a:p>
             <a:fld id="{D63882D9-5CA4-4D39-A7C4-1F558E9CAEF6}" type="datetimeFigureOut">
               <a:rPr lang="en-US" smtClean="0"/>
-              <a:t>11/17/2022</a:t>
+              <a:t>12/7/2022</a:t>
             </a:fld>
             <a:endParaRPr lang="en-US"/>
           </a:p>
@@ -778,7 +778,7 @@
           <a:p>
             <a:fld id="{25C1BF61-08EF-48B6-8A93-9B121669E37E}" type="datetimeFigureOut">
               <a:rPr lang="en-US" smtClean="0"/>
-              <a:t>11/17/2022</a:t>
+              <a:t>12/7/2022</a:t>
             </a:fld>
             <a:endParaRPr lang="en-US"/>
           </a:p>
@@ -948,7 +948,7 @@
           <a:p>
             <a:fld id="{25C1BF61-08EF-48B6-8A93-9B121669E37E}" type="datetimeFigureOut">
               <a:rPr lang="en-US" smtClean="0"/>
-              <a:t>11/17/2022</a:t>
+              <a:t>12/7/2022</a:t>
             </a:fld>
             <a:endParaRPr lang="en-US"/>
           </a:p>
@@ -1128,7 +1128,7 @@
           <a:p>
             <a:fld id="{25C1BF61-08EF-48B6-8A93-9B121669E37E}" type="datetimeFigureOut">
               <a:rPr lang="en-US" smtClean="0"/>
-              <a:t>11/17/2022</a:t>
+              <a:t>12/7/2022</a:t>
             </a:fld>
             <a:endParaRPr lang="en-US"/>
           </a:p>
@@ -1298,7 +1298,7 @@
           <a:p>
             <a:fld id="{25C1BF61-08EF-48B6-8A93-9B121669E37E}" type="datetimeFigureOut">
               <a:rPr lang="en-US" smtClean="0"/>
-              <a:t>11/17/2022</a:t>
+              <a:t>12/7/2022</a:t>
             </a:fld>
             <a:endParaRPr lang="en-US"/>
           </a:p>
@@ -1542,7 +1542,7 @@
           <a:p>
             <a:fld id="{25C1BF61-08EF-48B6-8A93-9B121669E37E}" type="datetimeFigureOut">
               <a:rPr lang="en-US" smtClean="0"/>
-              <a:t>11/17/2022</a:t>
+              <a:t>12/7/2022</a:t>
             </a:fld>
             <a:endParaRPr lang="en-US"/>
           </a:p>
@@ -1774,7 +1774,7 @@
           <a:p>
             <a:fld id="{25C1BF61-08EF-48B6-8A93-9B121669E37E}" type="datetimeFigureOut">
               <a:rPr lang="en-US" smtClean="0"/>
-              <a:t>11/17/2022</a:t>
+              <a:t>12/7/2022</a:t>
             </a:fld>
             <a:endParaRPr lang="en-US"/>
           </a:p>
@@ -2141,7 +2141,7 @@
           <a:p>
             <a:fld id="{25C1BF61-08EF-48B6-8A93-9B121669E37E}" type="datetimeFigureOut">
               <a:rPr lang="en-US" smtClean="0"/>
-              <a:t>11/17/2022</a:t>
+              <a:t>12/7/2022</a:t>
             </a:fld>
             <a:endParaRPr lang="en-US"/>
           </a:p>
@@ -2259,7 +2259,7 @@
           <a:p>
             <a:fld id="{25C1BF61-08EF-48B6-8A93-9B121669E37E}" type="datetimeFigureOut">
               <a:rPr lang="en-US" smtClean="0"/>
-              <a:t>11/17/2022</a:t>
+              <a:t>12/7/2022</a:t>
             </a:fld>
             <a:endParaRPr lang="en-US"/>
           </a:p>
@@ -2354,7 +2354,7 @@
           <a:p>
             <a:fld id="{25C1BF61-08EF-48B6-8A93-9B121669E37E}" type="datetimeFigureOut">
               <a:rPr lang="en-US" smtClean="0"/>
-              <a:t>11/17/2022</a:t>
+              <a:t>12/7/2022</a:t>
             </a:fld>
             <a:endParaRPr lang="en-US"/>
           </a:p>
@@ -2631,7 +2631,7 @@
           <a:p>
             <a:fld id="{25C1BF61-08EF-48B6-8A93-9B121669E37E}" type="datetimeFigureOut">
               <a:rPr lang="en-US" smtClean="0"/>
-              <a:t>11/17/2022</a:t>
+              <a:t>12/7/2022</a:t>
             </a:fld>
             <a:endParaRPr lang="en-US"/>
           </a:p>
@@ -2888,7 +2888,7 @@
           <a:p>
             <a:fld id="{25C1BF61-08EF-48B6-8A93-9B121669E37E}" type="datetimeFigureOut">
               <a:rPr lang="en-US" smtClean="0"/>
-              <a:t>11/17/2022</a:t>
+              <a:t>12/7/2022</a:t>
             </a:fld>
             <a:endParaRPr lang="en-US"/>
           </a:p>
@@ -3101,7 +3101,7 @@
           <a:p>
             <a:fld id="{25C1BF61-08EF-48B6-8A93-9B121669E37E}" type="datetimeFigureOut">
               <a:rPr lang="en-US" smtClean="0"/>
-              <a:t>11/17/2022</a:t>
+              <a:t>12/7/2022</a:t>
             </a:fld>
             <a:endParaRPr lang="en-US"/>
           </a:p>
@@ -4028,8 +4028,8 @@
         </p:nvSpPr>
         <p:spPr>
           <a:xfrm>
-            <a:off x="5651606" y="4406893"/>
-            <a:ext cx="2149804" cy="830997"/>
+            <a:off x="5354198" y="4406893"/>
+            <a:ext cx="2447212" cy="830997"/>
           </a:xfrm>
           <a:prstGeom prst="rect">
             <a:avLst/>
@@ -4059,11 +4059,25 @@
               <a:t>2. </a:t>
             </a:r>
             <a:r>
-              <a:rPr lang="en-US" sz="1200" b="1" dirty="0" err="1">
+              <a:rPr lang="en-US" sz="1200" b="1" dirty="0">
                 <a:latin typeface="Times New Roman" panose="02020603050405020304" pitchFamily="18" charset="0"/>
                 <a:cs typeface="Times New Roman" panose="02020603050405020304" pitchFamily="18" charset="0"/>
               </a:rPr>
               <a:t>Addon</a:t>
+            </a:r>
+            <a:r>
+              <a:rPr lang="en-US" sz="1200" dirty="0">
+                <a:latin typeface="Times New Roman" panose="02020603050405020304" pitchFamily="18" charset="0"/>
+                <a:cs typeface="Times New Roman" panose="02020603050405020304" pitchFamily="18" charset="0"/>
+              </a:rPr>
+              <a:t> </a:t>
+            </a:r>
+            <a:r>
+              <a:rPr lang="en-US" sz="1200" dirty="0" err="1">
+                <a:latin typeface="Times New Roman" panose="02020603050405020304" pitchFamily="18" charset="0"/>
+                <a:cs typeface="Times New Roman" panose="02020603050405020304" pitchFamily="18" charset="0"/>
+              </a:rPr>
+              <a:t>prokit</a:t>
             </a:r>
             <a:r>
               <a:rPr lang="en-US" sz="1200" dirty="0">
@@ -4098,8 +4112,8 @@
         </p:nvSpPr>
         <p:spPr>
           <a:xfrm>
-            <a:off x="7811094" y="4379576"/>
-            <a:ext cx="1670312" cy="1015663"/>
+            <a:off x="7811093" y="4379576"/>
+            <a:ext cx="1858721" cy="1015663"/>
           </a:xfrm>
           <a:prstGeom prst="rect">
             <a:avLst/>
@@ -4135,7 +4149,21 @@
                 <a:latin typeface="Times New Roman" panose="02020603050405020304" pitchFamily="18" charset="0"/>
                 <a:cs typeface="Times New Roman" panose="02020603050405020304" pitchFamily="18" charset="0"/>
               </a:rPr>
-              <a:t>6. Back plate for Handbrake and Shifter</a:t>
+              <a:t>6. </a:t>
+            </a:r>
+            <a:r>
+              <a:rPr lang="en-US" sz="1200" b="1" dirty="0">
+                <a:latin typeface="Times New Roman" panose="02020603050405020304" pitchFamily="18" charset="0"/>
+                <a:cs typeface="Times New Roman" panose="02020603050405020304" pitchFamily="18" charset="0"/>
+              </a:rPr>
+              <a:t>Addon </a:t>
+            </a:r>
+            <a:r>
+              <a:rPr lang="en-US" sz="1200" dirty="0">
+                <a:latin typeface="Times New Roman" panose="02020603050405020304" pitchFamily="18" charset="0"/>
+                <a:cs typeface="Times New Roman" panose="02020603050405020304" pitchFamily="18" charset="0"/>
+              </a:rPr>
+              <a:t>Back plate for Handbrake and Shifter</a:t>
             </a:r>
           </a:p>
           <a:p>
